--- a/results/images/accepted_and_rejected_projects_dist.pptx
+++ b/results/images/accepted_and_rejected_projects_dist.pptx
@@ -131,7 +131,7 @@
       <c:layout/>
       <c:barChart>
         <c:barDir val="col"/>
-        <c:grouping val="stacked"/>
+        <c:grouping val="clustered"/>
         <c:varyColors val="0"/>
         <c:ser>
           <c:idx val="0"/>
@@ -142,7 +142,7 @@
               <c:strCache>
                 <c:ptCount val="1"/>
                 <c:pt idx="0">
-                  <c:v>Accepted</c:v>
+                  <c:v>Included</c:v>
                 </c:pt>
               </c:strCache>
             </c:strRef>
@@ -236,7 +236,7 @@
           </c:val>
           <c:extLst>
             <c:ext xmlns:c16="http://schemas.microsoft.com/office/drawing/2014/chart" uri="{C3380CC4-5D6E-409C-BE32-E72D297353CC}">
-              <c16:uniqueId val="{00000000-6761-4E8B-85EB-25FF95E98D84}"/>
+              <c16:uniqueId val="{00000000-6C41-42FB-BFEA-17E084404C30}"/>
             </c:ext>
           </c:extLst>
         </c:ser>
@@ -249,7 +249,7 @@
               <c:strCache>
                 <c:ptCount val="1"/>
                 <c:pt idx="0">
-                  <c:v>Rejected</c:v>
+                  <c:v>Removed</c:v>
                 </c:pt>
               </c:strCache>
             </c:strRef>
@@ -343,7 +343,7 @@
           </c:val>
           <c:extLst>
             <c:ext xmlns:c16="http://schemas.microsoft.com/office/drawing/2014/chart" uri="{C3380CC4-5D6E-409C-BE32-E72D297353CC}">
-              <c16:uniqueId val="{00000001-6761-4E8B-85EB-25FF95E98D84}"/>
+              <c16:uniqueId val="{00000001-6C41-42FB-BFEA-17E084404C30}"/>
             </c:ext>
           </c:extLst>
         </c:ser>
@@ -356,7 +356,6 @@
           <c:showBubbleSize val="0"/>
         </c:dLbls>
         <c:gapWidth val="150"/>
-        <c:overlap val="100"/>
         <c:axId val="1983200799"/>
         <c:axId val="2046934927"/>
       </c:barChart>
@@ -517,7 +516,7 @@
     <a:lstStyle/>
     <a:p>
       <a:pPr>
-        <a:defRPr sz="2500">
+        <a:defRPr sz="1000">
           <a:solidFill>
             <a:schemeClr val="tx1"/>
           </a:solidFill>
@@ -1208,7 +1207,7 @@
           <a:p>
             <a:fld id="{857C8E90-7EDD-4CDC-BF79-D3D421C99482}" type="datetimeFigureOut">
               <a:rPr lang="en-US" smtClean="0"/>
-              <a:t>4/19/2021</a:t>
+              <a:t>4/20/2021</a:t>
             </a:fld>
             <a:endParaRPr lang="en-US"/>
           </a:p>
@@ -1378,7 +1377,7 @@
           <a:p>
             <a:fld id="{857C8E90-7EDD-4CDC-BF79-D3D421C99482}" type="datetimeFigureOut">
               <a:rPr lang="en-US" smtClean="0"/>
-              <a:t>4/19/2021</a:t>
+              <a:t>4/20/2021</a:t>
             </a:fld>
             <a:endParaRPr lang="en-US"/>
           </a:p>
@@ -1558,7 +1557,7 @@
           <a:p>
             <a:fld id="{857C8E90-7EDD-4CDC-BF79-D3D421C99482}" type="datetimeFigureOut">
               <a:rPr lang="en-US" smtClean="0"/>
-              <a:t>4/19/2021</a:t>
+              <a:t>4/20/2021</a:t>
             </a:fld>
             <a:endParaRPr lang="en-US"/>
           </a:p>
@@ -1728,7 +1727,7 @@
           <a:p>
             <a:fld id="{857C8E90-7EDD-4CDC-BF79-D3D421C99482}" type="datetimeFigureOut">
               <a:rPr lang="en-US" smtClean="0"/>
-              <a:t>4/19/2021</a:t>
+              <a:t>4/20/2021</a:t>
             </a:fld>
             <a:endParaRPr lang="en-US"/>
           </a:p>
@@ -1972,7 +1971,7 @@
           <a:p>
             <a:fld id="{857C8E90-7EDD-4CDC-BF79-D3D421C99482}" type="datetimeFigureOut">
               <a:rPr lang="en-US" smtClean="0"/>
-              <a:t>4/19/2021</a:t>
+              <a:t>4/20/2021</a:t>
             </a:fld>
             <a:endParaRPr lang="en-US"/>
           </a:p>
@@ -2204,7 +2203,7 @@
           <a:p>
             <a:fld id="{857C8E90-7EDD-4CDC-BF79-D3D421C99482}" type="datetimeFigureOut">
               <a:rPr lang="en-US" smtClean="0"/>
-              <a:t>4/19/2021</a:t>
+              <a:t>4/20/2021</a:t>
             </a:fld>
             <a:endParaRPr lang="en-US"/>
           </a:p>
@@ -2571,7 +2570,7 @@
           <a:p>
             <a:fld id="{857C8E90-7EDD-4CDC-BF79-D3D421C99482}" type="datetimeFigureOut">
               <a:rPr lang="en-US" smtClean="0"/>
-              <a:t>4/19/2021</a:t>
+              <a:t>4/20/2021</a:t>
             </a:fld>
             <a:endParaRPr lang="en-US"/>
           </a:p>
@@ -2689,7 +2688,7 @@
           <a:p>
             <a:fld id="{857C8E90-7EDD-4CDC-BF79-D3D421C99482}" type="datetimeFigureOut">
               <a:rPr lang="en-US" smtClean="0"/>
-              <a:t>4/19/2021</a:t>
+              <a:t>4/20/2021</a:t>
             </a:fld>
             <a:endParaRPr lang="en-US"/>
           </a:p>
@@ -2784,7 +2783,7 @@
           <a:p>
             <a:fld id="{857C8E90-7EDD-4CDC-BF79-D3D421C99482}" type="datetimeFigureOut">
               <a:rPr lang="en-US" smtClean="0"/>
-              <a:t>4/19/2021</a:t>
+              <a:t>4/20/2021</a:t>
             </a:fld>
             <a:endParaRPr lang="en-US"/>
           </a:p>
@@ -3061,7 +3060,7 @@
           <a:p>
             <a:fld id="{857C8E90-7EDD-4CDC-BF79-D3D421C99482}" type="datetimeFigureOut">
               <a:rPr lang="en-US" smtClean="0"/>
-              <a:t>4/19/2021</a:t>
+              <a:t>4/20/2021</a:t>
             </a:fld>
             <a:endParaRPr lang="en-US"/>
           </a:p>
@@ -3318,7 +3317,7 @@
           <a:p>
             <a:fld id="{857C8E90-7EDD-4CDC-BF79-D3D421C99482}" type="datetimeFigureOut">
               <a:rPr lang="en-US" smtClean="0"/>
-              <a:t>4/19/2021</a:t>
+              <a:t>4/20/2021</a:t>
             </a:fld>
             <a:endParaRPr lang="en-US"/>
           </a:p>
@@ -3531,7 +3530,7 @@
           <a:p>
             <a:fld id="{857C8E90-7EDD-4CDC-BF79-D3D421C99482}" type="datetimeFigureOut">
               <a:rPr lang="en-US" smtClean="0"/>
-              <a:t>4/19/2021</a:t>
+              <a:t>4/20/2021</a:t>
             </a:fld>
             <a:endParaRPr lang="en-US"/>
           </a:p>
@@ -3938,7 +3937,7 @@
       </p:grpSpPr>
       <p:graphicFrame>
         <p:nvGraphicFramePr>
-          <p:cNvPr id="4" name="Chart 3">
+          <p:cNvPr id="3" name="Chart 2">
             <a:extLst>
               <a:ext uri="{FF2B5EF4-FFF2-40B4-BE49-F238E27FC236}">
                 <a16:creationId xmlns:a16="http://schemas.microsoft.com/office/drawing/2014/main" id="{7C0BF555-1907-4D5B-BFE4-FCA6ECD0DBE5}"/>
@@ -3951,7 +3950,7 @@
           <p:nvPr>
             <p:extLst>
               <p:ext uri="{D42A27DB-BD31-4B8C-83A1-F6EECF244321}">
-                <p14:modId xmlns:p14="http://schemas.microsoft.com/office/powerpoint/2010/main" val="742479515"/>
+                <p14:modId xmlns:p14="http://schemas.microsoft.com/office/powerpoint/2010/main" val="3165942468"/>
               </p:ext>
             </p:extLst>
           </p:nvPr>

--- a/results/images/accepted_and_rejected_projects_dist.pptx
+++ b/results/images/accepted_and_rejected_projects_dist.pptx
@@ -384,7 +384,7 @@
           <a:effectLst/>
         </c:spPr>
         <c:txPr>
-          <a:bodyPr rot="-60000000" spcFirstLastPara="1" vertOverflow="ellipsis" vert="horz" wrap="square" anchor="ctr" anchorCtr="1"/>
+          <a:bodyPr rot="-1800000" spcFirstLastPara="1" vertOverflow="ellipsis" wrap="square" anchor="ctr" anchorCtr="0"/>
           <a:lstStyle/>
           <a:p>
             <a:pPr>
@@ -404,7 +404,7 @@
         <c:crosses val="autoZero"/>
         <c:auto val="1"/>
         <c:lblAlgn val="ctr"/>
-        <c:lblOffset val="100"/>
+        <c:lblOffset val="0"/>
         <c:noMultiLvlLbl val="0"/>
       </c:catAx>
       <c:valAx>
@@ -1207,7 +1207,7 @@
           <a:p>
             <a:fld id="{857C8E90-7EDD-4CDC-BF79-D3D421C99482}" type="datetimeFigureOut">
               <a:rPr lang="en-US" smtClean="0"/>
-              <a:t>4/20/2021</a:t>
+              <a:t>5/3/2021</a:t>
             </a:fld>
             <a:endParaRPr lang="en-US"/>
           </a:p>
@@ -1377,7 +1377,7 @@
           <a:p>
             <a:fld id="{857C8E90-7EDD-4CDC-BF79-D3D421C99482}" type="datetimeFigureOut">
               <a:rPr lang="en-US" smtClean="0"/>
-              <a:t>4/20/2021</a:t>
+              <a:t>5/3/2021</a:t>
             </a:fld>
             <a:endParaRPr lang="en-US"/>
           </a:p>
@@ -1557,7 +1557,7 @@
           <a:p>
             <a:fld id="{857C8E90-7EDD-4CDC-BF79-D3D421C99482}" type="datetimeFigureOut">
               <a:rPr lang="en-US" smtClean="0"/>
-              <a:t>4/20/2021</a:t>
+              <a:t>5/3/2021</a:t>
             </a:fld>
             <a:endParaRPr lang="en-US"/>
           </a:p>
@@ -1727,7 +1727,7 @@
           <a:p>
             <a:fld id="{857C8E90-7EDD-4CDC-BF79-D3D421C99482}" type="datetimeFigureOut">
               <a:rPr lang="en-US" smtClean="0"/>
-              <a:t>4/20/2021</a:t>
+              <a:t>5/3/2021</a:t>
             </a:fld>
             <a:endParaRPr lang="en-US"/>
           </a:p>
@@ -1971,7 +1971,7 @@
           <a:p>
             <a:fld id="{857C8E90-7EDD-4CDC-BF79-D3D421C99482}" type="datetimeFigureOut">
               <a:rPr lang="en-US" smtClean="0"/>
-              <a:t>4/20/2021</a:t>
+              <a:t>5/3/2021</a:t>
             </a:fld>
             <a:endParaRPr lang="en-US"/>
           </a:p>
@@ -2203,7 +2203,7 @@
           <a:p>
             <a:fld id="{857C8E90-7EDD-4CDC-BF79-D3D421C99482}" type="datetimeFigureOut">
               <a:rPr lang="en-US" smtClean="0"/>
-              <a:t>4/20/2021</a:t>
+              <a:t>5/3/2021</a:t>
             </a:fld>
             <a:endParaRPr lang="en-US"/>
           </a:p>
@@ -2570,7 +2570,7 @@
           <a:p>
             <a:fld id="{857C8E90-7EDD-4CDC-BF79-D3D421C99482}" type="datetimeFigureOut">
               <a:rPr lang="en-US" smtClean="0"/>
-              <a:t>4/20/2021</a:t>
+              <a:t>5/3/2021</a:t>
             </a:fld>
             <a:endParaRPr lang="en-US"/>
           </a:p>
@@ -2688,7 +2688,7 @@
           <a:p>
             <a:fld id="{857C8E90-7EDD-4CDC-BF79-D3D421C99482}" type="datetimeFigureOut">
               <a:rPr lang="en-US" smtClean="0"/>
-              <a:t>4/20/2021</a:t>
+              <a:t>5/3/2021</a:t>
             </a:fld>
             <a:endParaRPr lang="en-US"/>
           </a:p>
@@ -2783,7 +2783,7 @@
           <a:p>
             <a:fld id="{857C8E90-7EDD-4CDC-BF79-D3D421C99482}" type="datetimeFigureOut">
               <a:rPr lang="en-US" smtClean="0"/>
-              <a:t>4/20/2021</a:t>
+              <a:t>5/3/2021</a:t>
             </a:fld>
             <a:endParaRPr lang="en-US"/>
           </a:p>
@@ -3060,7 +3060,7 @@
           <a:p>
             <a:fld id="{857C8E90-7EDD-4CDC-BF79-D3D421C99482}" type="datetimeFigureOut">
               <a:rPr lang="en-US" smtClean="0"/>
-              <a:t>4/20/2021</a:t>
+              <a:t>5/3/2021</a:t>
             </a:fld>
             <a:endParaRPr lang="en-US"/>
           </a:p>
@@ -3317,7 +3317,7 @@
           <a:p>
             <a:fld id="{857C8E90-7EDD-4CDC-BF79-D3D421C99482}" type="datetimeFigureOut">
               <a:rPr lang="en-US" smtClean="0"/>
-              <a:t>4/20/2021</a:t>
+              <a:t>5/3/2021</a:t>
             </a:fld>
             <a:endParaRPr lang="en-US"/>
           </a:p>
@@ -3530,7 +3530,7 @@
           <a:p>
             <a:fld id="{857C8E90-7EDD-4CDC-BF79-D3D421C99482}" type="datetimeFigureOut">
               <a:rPr lang="en-US" smtClean="0"/>
-              <a:t>4/20/2021</a:t>
+              <a:t>5/3/2021</a:t>
             </a:fld>
             <a:endParaRPr lang="en-US"/>
           </a:p>
@@ -3950,7 +3950,7 @@
           <p:nvPr>
             <p:extLst>
               <p:ext uri="{D42A27DB-BD31-4B8C-83A1-F6EECF244321}">
-                <p14:modId xmlns:p14="http://schemas.microsoft.com/office/powerpoint/2010/main" val="3165942468"/>
+                <p14:modId xmlns:p14="http://schemas.microsoft.com/office/powerpoint/2010/main" val="20711066"/>
               </p:ext>
             </p:extLst>
           </p:nvPr>
